--- a/MINI_2016/PraceDomowe/GitHub/GitHub.pptx
+++ b/MINI_2016/PraceDomowe/GitHub/GitHub.pptx
@@ -284,6 +284,72 @@
 </p:notesMaster>
 </file>
 
+<file path=ppt/notesSlides/notesSlide1.xml><?xml version="1.0" encoding="utf-8"?>
+<p:notes xmlns:a="http://schemas.openxmlformats.org/drawingml/2006/main" xmlns:r="http://schemas.openxmlformats.org/officeDocument/2006/relationships" xmlns:p="http://schemas.openxmlformats.org/presentationml/2006/main">
+  <p:cSld>
+    <p:spTree>
+      <p:nvGrpSpPr>
+        <p:cNvPr id="1" name=""/>
+        <p:cNvGrpSpPr/>
+        <p:nvPr/>
+      </p:nvGrpSpPr>
+      <p:grpSpPr>
+        <a:xfrm>
+          <a:off x="0" y="0"/>
+          <a:ext cx="0" cy="0"/>
+          <a:chOff x="0" y="0"/>
+          <a:chExt cx="0" cy="0"/>
+        </a:xfrm>
+      </p:grpSpPr>
+      <p:sp>
+        <p:nvSpPr>
+          <p:cNvPr id="2" name="Symbol zastępczy obrazu slajdu 1"/>
+          <p:cNvSpPr>
+            <a:spLocks noGrp="1" noRot="1" noChangeAspect="1"/>
+          </p:cNvSpPr>
+          <p:nvPr>
+            <p:ph type="sldImg"/>
+          </p:nvPr>
+        </p:nvSpPr>
+        <p:spPr>
+          <a:xfrm>
+            <a:off x="1209675" y="685800"/>
+            <a:ext cx="4438650" cy="3429000"/>
+          </a:xfrm>
+        </p:spPr>
+      </p:sp>
+      <p:sp>
+        <p:nvSpPr>
+          <p:cNvPr id="3" name="Symbol zastępczy notatek 2"/>
+          <p:cNvSpPr>
+            <a:spLocks noGrp="1"/>
+          </p:cNvSpPr>
+          <p:nvPr>
+            <p:ph type="body" idx="1"/>
+          </p:nvPr>
+        </p:nvSpPr>
+        <p:spPr/>
+        <p:txBody>
+          <a:bodyPr/>
+          <a:lstStyle/>
+          <a:p>
+            <a:endParaRPr lang="pl-PL"/>
+          </a:p>
+        </p:txBody>
+      </p:sp>
+    </p:spTree>
+    <p:extLst>
+      <p:ext uri="{BB962C8B-B14F-4D97-AF65-F5344CB8AC3E}">
+        <p14:creationId xmlns:p14="http://schemas.microsoft.com/office/powerpoint/2010/main" val="1229284411"/>
+      </p:ext>
+    </p:extLst>
+  </p:cSld>
+  <p:clrMapOvr>
+    <a:masterClrMapping/>
+  </p:clrMapOvr>
+</p:notes>
+</file>
+
 <file path=ppt/slideLayouts/slideLayout1.xml><?xml version="1.0" encoding="utf-8"?>
 <p:sldLayout xmlns:a="http://schemas.openxmlformats.org/drawingml/2006/main" xmlns:r="http://schemas.openxmlformats.org/officeDocument/2006/relationships" xmlns:p="http://schemas.openxmlformats.org/presentationml/2006/main" type="tx">
   <p:cSld name="Title &amp; Subtitle">
@@ -1431,7 +1497,7 @@
           </a:ln>
           <a:extLst>
             <a:ext uri="{C572A759-6A51-4108-AA02-DFA0A04FC94B}">
-              <ma14:wrappingTextBoxFlag xmlns="" xmlns:ma14="http://schemas.microsoft.com/office/mac/drawingml/2011/main" val="1"/>
+              <ma14:wrappingTextBoxFlag xmlns:ma14="http://schemas.microsoft.com/office/mac/drawingml/2011/main" xmlns="" val="1"/>
             </a:ext>
           </a:extLst>
         </p:spPr>
@@ -1474,7 +1540,7 @@
           </a:ln>
           <a:extLst>
             <a:ext uri="{C572A759-6A51-4108-AA02-DFA0A04FC94B}">
-              <ma14:wrappingTextBoxFlag xmlns="" xmlns:ma14="http://schemas.microsoft.com/office/mac/drawingml/2011/main" val="1"/>
+              <ma14:wrappingTextBoxFlag xmlns:ma14="http://schemas.microsoft.com/office/mac/drawingml/2011/main" xmlns="" val="1"/>
             </a:ext>
           </a:extLst>
         </p:spPr>
@@ -2050,7 +2116,7 @@
           </a:ln>
           <a:extLst>
             <a:ext uri="{C572A759-6A51-4108-AA02-DFA0A04FC94B}">
-              <ma14:wrappingTextBoxFlag xmlns="" xmlns:ma14="http://schemas.microsoft.com/office/mac/drawingml/2011/main" val="1"/>
+              <ma14:wrappingTextBoxFlag xmlns:ma14="http://schemas.microsoft.com/office/mac/drawingml/2011/main" xmlns="" val="1"/>
             </a:ext>
           </a:extLst>
         </p:spPr>
@@ -2247,7 +2313,7 @@
           </a:ln>
           <a:extLst>
             <a:ext uri="{C572A759-6A51-4108-AA02-DFA0A04FC94B}">
-              <ma14:wrappingTextBoxFlag xmlns="" xmlns:ma14="http://schemas.microsoft.com/office/mac/drawingml/2011/main" val="1"/>
+              <ma14:wrappingTextBoxFlag xmlns:ma14="http://schemas.microsoft.com/office/mac/drawingml/2011/main" xmlns="" val="1"/>
             </a:ext>
           </a:extLst>
         </p:spPr>
@@ -2354,7 +2420,7 @@
           </a:ln>
           <a:extLst>
             <a:ext uri="{C572A759-6A51-4108-AA02-DFA0A04FC94B}">
-              <ma14:wrappingTextBoxFlag xmlns="" xmlns:ma14="http://schemas.microsoft.com/office/mac/drawingml/2011/main" val="1"/>
+              <ma14:wrappingTextBoxFlag xmlns:ma14="http://schemas.microsoft.com/office/mac/drawingml/2011/main" xmlns="" val="1"/>
             </a:ext>
           </a:extLst>
         </p:spPr>
@@ -2456,7 +2522,7 @@
           </a:ln>
           <a:extLst>
             <a:ext uri="{C572A759-6A51-4108-AA02-DFA0A04FC94B}">
-              <ma14:wrappingTextBoxFlag xmlns="" xmlns:ma14="http://schemas.microsoft.com/office/mac/drawingml/2011/main" val="1"/>
+              <ma14:wrappingTextBoxFlag xmlns:ma14="http://schemas.microsoft.com/office/mac/drawingml/2011/main" xmlns="" val="1"/>
             </a:ext>
           </a:extLst>
         </p:spPr>
@@ -3592,7 +3658,7 @@
           </a:ln>
           <a:extLst>
             <a:ext uri="{C572A759-6A51-4108-AA02-DFA0A04FC94B}">
-              <ma14:wrappingTextBoxFlag xmlns="" xmlns:ma14="http://schemas.microsoft.com/office/mac/drawingml/2011/main" val="1"/>
+              <ma14:wrappingTextBoxFlag xmlns:ma14="http://schemas.microsoft.com/office/mac/drawingml/2011/main" xmlns="" val="1"/>
             </a:ext>
           </a:extLst>
         </p:spPr>
@@ -3804,7 +3870,7 @@
           </a:ln>
           <a:extLst>
             <a:ext uri="{C572A759-6A51-4108-AA02-DFA0A04FC94B}">
-              <ma14:wrappingTextBoxFlag xmlns="" xmlns:ma14="http://schemas.microsoft.com/office/mac/drawingml/2011/main" val="1"/>
+              <ma14:wrappingTextBoxFlag xmlns:ma14="http://schemas.microsoft.com/office/mac/drawingml/2011/main" xmlns="" val="1"/>
             </a:ext>
           </a:extLst>
         </p:spPr>
@@ -4061,7 +4127,7 @@
           </a:ln>
           <a:extLst>
             <a:ext uri="{C572A759-6A51-4108-AA02-DFA0A04FC94B}">
-              <ma14:wrappingTextBoxFlag xmlns="" xmlns:ma14="http://schemas.microsoft.com/office/mac/drawingml/2011/main" val="1"/>
+              <ma14:wrappingTextBoxFlag xmlns:ma14="http://schemas.microsoft.com/office/mac/drawingml/2011/main" xmlns="" val="1"/>
             </a:ext>
           </a:extLst>
         </p:spPr>
@@ -4216,7 +4282,7 @@
           <p:nvPr/>
         </p:nvPicPr>
         <p:blipFill>
-          <a:blip r:embed="rId2"/>
+          <a:blip r:embed="rId3"/>
           <a:stretch>
             <a:fillRect/>
           </a:stretch>
@@ -4255,7 +4321,7 @@
           </a:ln>
           <a:extLst>
             <a:ext uri="{C572A759-6A51-4108-AA02-DFA0A04FC94B}">
-              <ma14:wrappingTextBoxFlag xmlns="" xmlns:ma14="http://schemas.microsoft.com/office/mac/drawingml/2011/main" val="1"/>
+              <ma14:wrappingTextBoxFlag xmlns:ma14="http://schemas.microsoft.com/office/mac/drawingml/2011/main" xmlns="" val="1"/>
             </a:ext>
           </a:extLst>
         </p:spPr>
@@ -4427,7 +4493,7 @@
           <p:nvPr/>
         </p:nvPicPr>
         <p:blipFill>
-          <a:blip r:embed="rId3"/>
+          <a:blip r:embed="rId4"/>
           <a:stretch>
             <a:fillRect/>
           </a:stretch>
@@ -4451,7 +4517,7 @@
           <p:nvPr/>
         </p:nvPicPr>
         <p:blipFill>
-          <a:blip r:embed="rId4"/>
+          <a:blip r:embed="rId5"/>
           <a:stretch>
             <a:fillRect/>
           </a:stretch>
@@ -4485,7 +4551,7 @@
           </a:ln>
           <a:extLst>
             <a:ext uri="{C572A759-6A51-4108-AA02-DFA0A04FC94B}">
-              <ma14:wrappingTextBoxFlag xmlns="" xmlns:ma14="http://schemas.microsoft.com/office/mac/drawingml/2011/main" val="1"/>
+              <ma14:wrappingTextBoxFlag xmlns:ma14="http://schemas.microsoft.com/office/mac/drawingml/2011/main" xmlns="" val="1"/>
             </a:ext>
           </a:extLst>
         </p:spPr>
@@ -4660,7 +4726,7 @@
           <p:nvPr/>
         </p:nvPicPr>
         <p:blipFill>
-          <a:blip r:embed="rId5"/>
+          <a:blip r:embed="rId6"/>
           <a:stretch>
             <a:fillRect/>
           </a:stretch>
@@ -4684,7 +4750,7 @@
           <p:nvPr/>
         </p:nvPicPr>
         <p:blipFill>
-          <a:blip r:embed="rId6"/>
+          <a:blip r:embed="rId7"/>
           <a:stretch>
             <a:fillRect/>
           </a:stretch>
@@ -4798,7 +4864,7 @@
           </a:ln>
           <a:extLst>
             <a:ext uri="{C572A759-6A51-4108-AA02-DFA0A04FC94B}">
-              <ma14:wrappingTextBoxFlag xmlns="" xmlns:ma14="http://schemas.microsoft.com/office/mac/drawingml/2011/main" val="1"/>
+              <ma14:wrappingTextBoxFlag xmlns:ma14="http://schemas.microsoft.com/office/mac/drawingml/2011/main" xmlns="" val="1"/>
             </a:ext>
           </a:extLst>
         </p:spPr>
@@ -4958,7 +5024,7 @@
           </a:ln>
           <a:extLst>
             <a:ext uri="{C572A759-6A51-4108-AA02-DFA0A04FC94B}">
-              <ma14:wrappingTextBoxFlag xmlns="" xmlns:ma14="http://schemas.microsoft.com/office/mac/drawingml/2011/main" val="1"/>
+              <ma14:wrappingTextBoxFlag xmlns:ma14="http://schemas.microsoft.com/office/mac/drawingml/2011/main" xmlns="" val="1"/>
             </a:ext>
           </a:extLst>
         </p:spPr>
@@ -5162,7 +5228,7 @@
           </a:ln>
           <a:extLst>
             <a:ext uri="{C572A759-6A51-4108-AA02-DFA0A04FC94B}">
-              <ma14:wrappingTextBoxFlag xmlns="" xmlns:ma14="http://schemas.microsoft.com/office/mac/drawingml/2011/main" val="1"/>
+              <ma14:wrappingTextBoxFlag xmlns:ma14="http://schemas.microsoft.com/office/mac/drawingml/2011/main" xmlns="" val="1"/>
             </a:ext>
           </a:extLst>
         </p:spPr>
@@ -5276,7 +5342,7 @@
           </a:ln>
           <a:extLst>
             <a:ext uri="{C572A759-6A51-4108-AA02-DFA0A04FC94B}">
-              <ma14:wrappingTextBoxFlag xmlns="" xmlns:ma14="http://schemas.microsoft.com/office/mac/drawingml/2011/main" val="1"/>
+              <ma14:wrappingTextBoxFlag xmlns:ma14="http://schemas.microsoft.com/office/mac/drawingml/2011/main" xmlns="" val="1"/>
             </a:ext>
           </a:extLst>
         </p:spPr>
@@ -5657,7 +5723,7 @@
           <p:nvPr/>
         </p:nvPicPr>
         <p:blipFill>
-          <a:blip r:embed="rId7"/>
+          <a:blip r:embed="rId8"/>
           <a:stretch>
             <a:fillRect/>
           </a:stretch>
@@ -5729,7 +5795,7 @@
           <p:nvPr/>
         </p:nvPicPr>
         <p:blipFill>
-          <a:blip r:embed="rId8"/>
+          <a:blip r:embed="rId9"/>
           <a:stretch>
             <a:fillRect/>
           </a:stretch>
@@ -5753,7 +5819,7 @@
           <p:nvPr/>
         </p:nvPicPr>
         <p:blipFill>
-          <a:blip r:embed="rId9"/>
+          <a:blip r:embed="rId10"/>
           <a:stretch>
             <a:fillRect/>
           </a:stretch>
@@ -5831,7 +5897,7 @@
           <p:nvPr/>
         </p:nvPicPr>
         <p:blipFill>
-          <a:blip r:embed="rId10"/>
+          <a:blip r:embed="rId11"/>
           <a:stretch>
             <a:fillRect/>
           </a:stretch>
@@ -5903,7 +5969,7 @@
           <p:nvPr/>
         </p:nvPicPr>
         <p:blipFill>
-          <a:blip r:embed="rId11"/>
+          <a:blip r:embed="rId12"/>
           <a:stretch>
             <a:fillRect/>
           </a:stretch>
@@ -5985,7 +6051,7 @@
           </a:ln>
           <a:extLst>
             <a:ext uri="{C572A759-6A51-4108-AA02-DFA0A04FC94B}">
-              <ma14:wrappingTextBoxFlag xmlns="" xmlns:ma14="http://schemas.microsoft.com/office/mac/drawingml/2011/main" val="1"/>
+              <ma14:wrappingTextBoxFlag xmlns:ma14="http://schemas.microsoft.com/office/mac/drawingml/2011/main" xmlns="" val="1"/>
             </a:ext>
           </a:extLst>
         </p:spPr>
@@ -6161,7 +6227,7 @@
           </a:ln>
           <a:extLst>
             <a:ext uri="{C572A759-6A51-4108-AA02-DFA0A04FC94B}">
-              <ma14:wrappingTextBoxFlag xmlns="" xmlns:ma14="http://schemas.microsoft.com/office/mac/drawingml/2011/main" val="1"/>
+              <ma14:wrappingTextBoxFlag xmlns:ma14="http://schemas.microsoft.com/office/mac/drawingml/2011/main" xmlns="" val="1"/>
             </a:ext>
           </a:extLst>
         </p:spPr>
@@ -6325,7 +6391,7 @@
           </a:ln>
           <a:extLst>
             <a:ext uri="{C572A759-6A51-4108-AA02-DFA0A04FC94B}">
-              <ma14:wrappingTextBoxFlag xmlns="" xmlns:ma14="http://schemas.microsoft.com/office/mac/drawingml/2011/main" val="1"/>
+              <ma14:wrappingTextBoxFlag xmlns:ma14="http://schemas.microsoft.com/office/mac/drawingml/2011/main" xmlns="" val="1"/>
             </a:ext>
           </a:extLst>
         </p:spPr>
@@ -6501,7 +6567,7 @@
           </a:ln>
           <a:extLst>
             <a:ext uri="{C572A759-6A51-4108-AA02-DFA0A04FC94B}">
-              <ma14:wrappingTextBoxFlag xmlns="" xmlns:ma14="http://schemas.microsoft.com/office/mac/drawingml/2011/main" val="1"/>
+              <ma14:wrappingTextBoxFlag xmlns:ma14="http://schemas.microsoft.com/office/mac/drawingml/2011/main" xmlns="" val="1"/>
             </a:ext>
           </a:extLst>
         </p:spPr>
@@ -6632,6 +6698,113 @@
               <a:solidFill>
                 <a:schemeClr val="tx1"/>
               </a:solidFill>
+              <a:latin typeface="Source Sans Pro Light"/>
+              <a:ea typeface="Source Sans Pro Light"/>
+              <a:cs typeface="Source Sans Pro Light"/>
+              <a:sym typeface="Source Sans Pro Light"/>
+            </a:endParaRPr>
+          </a:p>
+        </p:txBody>
+      </p:sp>
+      <p:sp>
+        <p:nvSpPr>
+          <p:cNvPr id="39" name="Shape 39"/>
+          <p:cNvSpPr/>
+          <p:nvPr/>
+        </p:nvSpPr>
+        <p:spPr>
+          <a:xfrm>
+            <a:off x="10040113" y="10438627"/>
+            <a:ext cx="3727092" cy="234855"/>
+          </a:xfrm>
+          <a:prstGeom prst="rect">
+            <a:avLst/>
+          </a:prstGeom>
+          <a:ln w="12700">
+            <a:miter lim="400000"/>
+          </a:ln>
+          <a:extLst>
+            <a:ext uri="{C572A759-6A51-4108-AA02-DFA0A04FC94B}">
+              <ma14:wrappingTextBoxFlag xmlns="" xmlns:ma14="http://schemas.microsoft.com/office/mac/drawingml/2011/main" val="1"/>
+            </a:ext>
+          </a:extLst>
+        </p:spPr>
+        <p:txBody>
+          <a:bodyPr wrap="square" lIns="54570" tIns="54570" rIns="54570" bIns="54570" anchor="ctr">
+            <a:spAutoFit/>
+          </a:bodyPr>
+          <a:lstStyle/>
+          <a:p>
+            <a:pPr lvl="0" algn="l">
+              <a:lnSpc>
+                <a:spcPct val="90000"/>
+              </a:lnSpc>
+              <a:defRPr sz="1800"/>
+            </a:pPr>
+            <a:r>
+              <a:rPr lang="pl-PL" sz="900" dirty="0" err="1">
+                <a:latin typeface="Source Sans Pro Light"/>
+                <a:ea typeface="Source Sans Pro Light"/>
+                <a:cs typeface="Source Sans Pro Light"/>
+                <a:sym typeface="Source Sans Pro Light"/>
+              </a:rPr>
+              <a:t>a</a:t>
+            </a:r>
+            <a:r>
+              <a:rPr lang="pl-PL" sz="900" dirty="0" err="1" smtClean="0">
+                <a:latin typeface="Source Sans Pro Light"/>
+                <a:ea typeface="Source Sans Pro Light"/>
+                <a:cs typeface="Source Sans Pro Light"/>
+                <a:sym typeface="Source Sans Pro Light"/>
+              </a:rPr>
+              <a:t>uthor</a:t>
+            </a:r>
+            <a:r>
+              <a:rPr lang="pl-PL" sz="900" dirty="0" smtClean="0">
+                <a:latin typeface="Source Sans Pro Light"/>
+                <a:ea typeface="Source Sans Pro Light"/>
+                <a:cs typeface="Source Sans Pro Light"/>
+                <a:sym typeface="Source Sans Pro Light"/>
+              </a:rPr>
+              <a:t>: Rafał Grądziel, </a:t>
+            </a:r>
+            <a:r>
+              <a:rPr lang="pl-PL" sz="900" dirty="0" err="1" smtClean="0">
+                <a:latin typeface="Source Sans Pro Light"/>
+                <a:ea typeface="Source Sans Pro Light"/>
+                <a:cs typeface="Source Sans Pro Light"/>
+                <a:sym typeface="Source Sans Pro Light"/>
+              </a:rPr>
+              <a:t>prepared</a:t>
+            </a:r>
+            <a:r>
+              <a:rPr lang="pl-PL" sz="900" dirty="0" smtClean="0">
+                <a:latin typeface="Source Sans Pro Light"/>
+                <a:ea typeface="Source Sans Pro Light"/>
+                <a:cs typeface="Source Sans Pro Light"/>
+                <a:sym typeface="Source Sans Pro Light"/>
+              </a:rPr>
+              <a:t> for: R and Big Data, </a:t>
+            </a:r>
+            <a:r>
+              <a:rPr lang="pl-PL" sz="900" dirty="0" err="1" smtClean="0">
+                <a:latin typeface="Source Sans Pro Light"/>
+                <a:ea typeface="Source Sans Pro Light"/>
+                <a:cs typeface="Source Sans Pro Light"/>
+                <a:sym typeface="Source Sans Pro Light"/>
+              </a:rPr>
+              <a:t>MiNI</a:t>
+            </a:r>
+            <a:r>
+              <a:rPr lang="pl-PL" sz="900" dirty="0" smtClean="0">
+                <a:latin typeface="Source Sans Pro Light"/>
+                <a:ea typeface="Source Sans Pro Light"/>
+                <a:cs typeface="Source Sans Pro Light"/>
+                <a:sym typeface="Source Sans Pro Light"/>
+              </a:rPr>
+              <a:t> PW</a:t>
+            </a:r>
+            <a:endParaRPr sz="900" dirty="0">
               <a:latin typeface="Source Sans Pro Light"/>
               <a:ea typeface="Source Sans Pro Light"/>
               <a:cs typeface="Source Sans Pro Light"/>
